--- a/JUH/AufbauorganisationJUHPraes.pptx
+++ b/JUH/AufbauorganisationJUHPraes.pptx
@@ -5,12 +5,13 @@
     <p:sldMasterId id="2147483685" r:id="rId1"/>
   </p:sldMasterIdLst>
   <p:notesMasterIdLst>
-    <p:notesMasterId r:id="rId5"/>
+    <p:notesMasterId r:id="rId6"/>
   </p:notesMasterIdLst>
   <p:sldIdLst>
     <p:sldId id="279" r:id="rId2"/>
     <p:sldId id="280" r:id="rId3"/>
-    <p:sldId id="281" r:id="rId4"/>
+    <p:sldId id="282" r:id="rId4"/>
+    <p:sldId id="281" r:id="rId5"/>
   </p:sldIdLst>
   <p:sldSz cx="12192000" cy="6858000"/>
   <p:notesSz cx="6858000" cy="9144000"/>
@@ -111,7 +112,32 @@
   </p:defaultTextStyle>
   <p:extLst>
     <p:ext uri="{EFAFB233-063F-42B5-8137-9DF3F51BA10A}">
-      <p15:sldGuideLst xmlns="" xmlns:p15="http://schemas.microsoft.com/office/powerpoint/2012/main"/>
+      <p15:sldGuideLst xmlns:p15="http://schemas.microsoft.com/office/powerpoint/2012/main">
+        <p15:guide id="1" orient="horz" pos="2160">
+          <p15:clr>
+            <a:srgbClr val="A4A3A4"/>
+          </p15:clr>
+        </p15:guide>
+        <p15:guide id="2" pos="3840">
+          <p15:clr>
+            <a:srgbClr val="A4A3A4"/>
+          </p15:clr>
+        </p15:guide>
+      </p15:sldGuideLst>
+    </p:ext>
+    <p:ext uri="{2D200454-40CA-4A62-9FC3-DE9A4176ACB9}">
+      <p15:notesGuideLst xmlns:p15="http://schemas.microsoft.com/office/powerpoint/2012/main">
+        <p15:guide id="1" orient="horz" pos="2880">
+          <p15:clr>
+            <a:srgbClr val="A4A3A4"/>
+          </p15:clr>
+        </p15:guide>
+        <p15:guide id="2" pos="2160">
+          <p15:clr>
+            <a:srgbClr val="A4A3A4"/>
+          </p15:clr>
+        </p15:guide>
+      </p15:notesGuideLst>
     </p:ext>
   </p:extLst>
 </p:presentation>
@@ -205,7 +231,7 @@
           <a:p>
             <a:fld id="{FD0E5214-A780-45B3-8C91-E131831524A4}" type="datetimeFigureOut">
               <a:rPr lang="de-DE" smtClean="0"/>
-              <a:t>29.03.2015</a:t>
+              <a:t>30.03.2015</a:t>
             </a:fld>
             <a:endParaRPr lang="de-DE"/>
           </a:p>
@@ -1195,7 +1221,7 @@
           <a:p>
             <a:fld id="{430DCDF4-4212-41DE-881A-86CC5F4C4960}" type="datetime1">
               <a:rPr lang="en-US" smtClean="0"/>
-              <a:t>3/29/2015</a:t>
+              <a:t>3/30/2015</a:t>
             </a:fld>
             <a:endParaRPr lang="en-US" dirty="0"/>
           </a:p>
@@ -1474,7 +1500,7 @@
           <a:p>
             <a:fld id="{7D7F22C2-E00C-402C-9237-97B2DDDB1C1E}" type="datetime1">
               <a:rPr lang="en-US" smtClean="0"/>
-              <a:t>3/29/2015</a:t>
+              <a:t>3/30/2015</a:t>
             </a:fld>
             <a:endParaRPr lang="en-US" dirty="0"/>
           </a:p>
@@ -1769,7 +1795,7 @@
           <a:p>
             <a:fld id="{4751C775-F499-41CA-BB69-5F0CE1DC728B}" type="datetime1">
               <a:rPr lang="en-US" smtClean="0"/>
-              <a:t>3/29/2015</a:t>
+              <a:t>3/30/2015</a:t>
             </a:fld>
             <a:endParaRPr lang="en-US" dirty="0"/>
           </a:p>
@@ -2091,7 +2117,7 @@
           <a:p>
             <a:fld id="{EF0B729F-5E1E-40E7-8D1F-2FBC0AA7C9CD}" type="datetime1">
               <a:rPr lang="en-US" smtClean="0"/>
-              <a:t>3/29/2015</a:t>
+              <a:t>3/30/2015</a:t>
             </a:fld>
             <a:endParaRPr lang="en-US" dirty="0"/>
           </a:p>
@@ -2386,7 +2412,7 @@
           <a:p>
             <a:fld id="{6C610283-F1E1-40D0-ACF0-C635052CA35C}" type="datetime1">
               <a:rPr lang="en-US" smtClean="0"/>
-              <a:t>3/29/2015</a:t>
+              <a:t>3/30/2015</a:t>
             </a:fld>
             <a:endParaRPr lang="en-US" dirty="0"/>
           </a:p>
@@ -2760,7 +2786,7 @@
           <a:p>
             <a:fld id="{DDCC8832-2E28-430A-AD8F-583F9F33222D}" type="datetime1">
               <a:rPr lang="en-US" smtClean="0"/>
-              <a:t>3/29/2015</a:t>
+              <a:t>3/30/2015</a:t>
             </a:fld>
             <a:endParaRPr lang="en-US" dirty="0"/>
           </a:p>
@@ -2918,7 +2944,7 @@
           <a:p>
             <a:fld id="{76E487D9-92EA-4374-B9A8-0C938596B06B}" type="datetime1">
               <a:rPr lang="en-US" smtClean="0"/>
-              <a:t>3/29/2015</a:t>
+              <a:t>3/30/2015</a:t>
             </a:fld>
             <a:endParaRPr lang="en-US" dirty="0"/>
           </a:p>
@@ -3079,7 +3105,7 @@
           <a:p>
             <a:fld id="{03B2E87A-4C56-4FB1-83A8-C433C44AFBA9}" type="datetime1">
               <a:rPr lang="en-US" smtClean="0"/>
-              <a:t>3/29/2015</a:t>
+              <a:t>3/30/2015</a:t>
             </a:fld>
             <a:endParaRPr lang="en-US" dirty="0"/>
           </a:p>
@@ -3259,7 +3285,7 @@
           <a:p>
             <a:fld id="{A5828E15-EAE5-4696-A498-9462A8D07DB3}" type="datetime1">
               <a:rPr lang="en-US" smtClean="0"/>
-              <a:t>3/29/2015</a:t>
+              <a:t>3/30/2015</a:t>
             </a:fld>
             <a:endParaRPr lang="en-US" dirty="0"/>
           </a:p>
@@ -3501,7 +3527,7 @@
           <a:p>
             <a:fld id="{30C89575-A7F9-45D9-8DD0-EEE9ED1F7FA0}" type="datetime1">
               <a:rPr lang="en-US" smtClean="0"/>
-              <a:t>3/29/2015</a:t>
+              <a:t>3/30/2015</a:t>
             </a:fld>
             <a:endParaRPr lang="en-US" dirty="0"/>
           </a:p>
@@ -3721,7 +3747,7 @@
           <a:p>
             <a:fld id="{7A131F54-E68E-47BE-8946-F526F364CBA6}" type="datetime1">
               <a:rPr lang="en-US" smtClean="0"/>
-              <a:t>3/29/2015</a:t>
+              <a:t>3/30/2015</a:t>
             </a:fld>
             <a:endParaRPr lang="en-US" dirty="0"/>
           </a:p>
@@ -4076,7 +4102,7 @@
           <a:p>
             <a:fld id="{54938A4C-ABDD-4D7F-9EE8-D2212DFA111A}" type="datetime1">
               <a:rPr lang="en-US" smtClean="0"/>
-              <a:t>3/29/2015</a:t>
+              <a:t>3/30/2015</a:t>
             </a:fld>
             <a:endParaRPr lang="en-US" dirty="0"/>
           </a:p>
@@ -4180,7 +4206,7 @@
           <a:p>
             <a:fld id="{472087FD-69A5-4863-93C8-147616460B5F}" type="datetime1">
               <a:rPr lang="en-US" smtClean="0"/>
-              <a:t>3/29/2015</a:t>
+              <a:t>3/30/2015</a:t>
             </a:fld>
             <a:endParaRPr lang="en-US" dirty="0"/>
           </a:p>
@@ -4256,7 +4282,7 @@
           <a:p>
             <a:fld id="{DE67AA65-3958-4B15-93E3-62DB88057388}" type="datetime1">
               <a:rPr lang="en-US" smtClean="0"/>
-              <a:t>3/29/2015</a:t>
+              <a:t>3/30/2015</a:t>
             </a:fld>
             <a:endParaRPr lang="en-US" dirty="0"/>
           </a:p>
@@ -4492,7 +4518,7 @@
           <a:p>
             <a:fld id="{3A3AF593-EE7A-4564-A95B-6C86BAEF9839}" type="datetime1">
               <a:rPr lang="en-US" smtClean="0"/>
-              <a:t>3/29/2015</a:t>
+              <a:t>3/30/2015</a:t>
             </a:fld>
             <a:endParaRPr lang="en-US" dirty="0"/>
           </a:p>
@@ -4736,7 +4762,7 @@
           <a:p>
             <a:fld id="{D226D4E0-B61D-4B17-878D-83CEB6B35F48}" type="datetime1">
               <a:rPr lang="en-US" smtClean="0"/>
-              <a:t>3/29/2015</a:t>
+              <a:t>3/30/2015</a:t>
             </a:fld>
             <a:endParaRPr lang="en-US" dirty="0"/>
           </a:p>
@@ -5460,7 +5486,7 @@
           <a:p>
             <a:fld id="{FA7EC809-ED1F-4983-9906-520EA3F002C5}" type="datetime1">
               <a:rPr lang="en-US" smtClean="0"/>
-              <a:t>3/29/2015</a:t>
+              <a:t>3/30/2015</a:t>
             </a:fld>
             <a:endParaRPr lang="en-US" dirty="0"/>
           </a:p>
@@ -6099,12 +6125,19 @@
           <a:p>
             <a:pPr algn="l"/>
             <a:r>
+              <a:rPr lang="de-DE" sz="6000" dirty="0" smtClean="0"/>
+              <a:t>Aufbauorganisation der Hilfsorganisation </a:t>
+            </a:r>
+            <a:r>
+              <a:rPr lang="de-DE" sz="6000" dirty="0" smtClean="0"/>
+              <a:t/>
+            </a:r>
+            <a:br>
+              <a:rPr lang="de-DE" sz="6000" dirty="0" smtClean="0"/>
+            </a:br>
+            <a:r>
               <a:rPr lang="de-DE" sz="6600" dirty="0" smtClean="0"/>
-              <a:t>Aufbauorganisation der Hilfsorganisation „</a:t>
-            </a:r>
-            <a:r>
-              <a:rPr lang="de-DE" sz="6600" smtClean="0"/>
-              <a:t>Die Johanniter“</a:t>
+              <a:t>Die Johanniter</a:t>
             </a:r>
             <a:endParaRPr lang="de-DE" sz="4000" dirty="0"/>
           </a:p>
@@ -6133,7 +6166,7 @@
           <a:p>
             <a:fld id="{B68A97D9-23A2-4961-BD27-93DAEBE0E1E1}" type="datetime2">
               <a:rPr lang="de-DE" smtClean="0"/>
-              <a:t>Sonntag, 29. März 2015</a:t>
+              <a:t>Montag, 30. März 2015</a:t>
             </a:fld>
             <a:endParaRPr lang="de-DE" dirty="0"/>
           </a:p>
@@ -6248,6 +6281,153 @@
       </p:sp>
       <p:pic>
         <p:nvPicPr>
+          <p:cNvPr id="6" name="Grafik 5" descr="Logo der Johanniter"/>
+          <p:cNvPicPr/>
+          <p:nvPr/>
+        </p:nvPicPr>
+        <p:blipFill>
+          <a:blip r:embed="rId3">
+            <a:extLst>
+              <a:ext uri="{28A0092B-C50C-407E-A947-70E740481C1C}">
+                <a14:useLocalDpi xmlns:a14="http://schemas.microsoft.com/office/drawing/2010/main" val="0"/>
+              </a:ext>
+            </a:extLst>
+          </a:blip>
+          <a:srcRect/>
+          <a:stretch>
+            <a:fillRect/>
+          </a:stretch>
+        </p:blipFill>
+        <p:spPr bwMode="auto">
+          <a:xfrm>
+            <a:off x="7042871" y="5447232"/>
+            <a:ext cx="2022475" cy="666750"/>
+          </a:xfrm>
+          <a:prstGeom prst="rect">
+            <a:avLst/>
+          </a:prstGeom>
+          <a:noFill/>
+          <a:ln>
+            <a:noFill/>
+          </a:ln>
+        </p:spPr>
+      </p:pic>
+      <p:graphicFrame>
+        <p:nvGraphicFramePr>
+          <p:cNvPr id="2" name="Objekt 1"/>
+          <p:cNvGraphicFramePr>
+            <a:graphicFrameLocks noChangeAspect="1"/>
+          </p:cNvGraphicFramePr>
+          <p:nvPr>
+            <p:extLst>
+              <p:ext uri="{D42A27DB-BD31-4B8C-83A1-F6EECF244321}">
+                <p14:modId xmlns:p14="http://schemas.microsoft.com/office/powerpoint/2010/main" val="2851831234"/>
+              </p:ext>
+            </p:extLst>
+          </p:nvPr>
+        </p:nvGraphicFramePr>
+        <p:xfrm>
+          <a:off x="2079271" y="-125128"/>
+          <a:ext cx="5924037" cy="6983128"/>
+        </p:xfrm>
+        <a:graphic>
+          <a:graphicData uri="http://schemas.openxmlformats.org/presentationml/2006/ole">
+            <mc:AlternateContent xmlns:mc="http://schemas.openxmlformats.org/markup-compatibility/2006">
+              <mc:Choice xmlns:v="urn:schemas-microsoft-com:vml" Requires="v">
+                <p:oleObj spid="_x0000_s1030" name="Visio" r:id="rId4" imgW="9709219" imgH="14344479" progId="Visio.Drawing.15">
+                  <p:embed/>
+                </p:oleObj>
+              </mc:Choice>
+              <mc:Fallback>
+                <p:oleObj name="Visio" r:id="rId4" imgW="9709219" imgH="14344479" progId="Visio.Drawing.15">
+                  <p:embed/>
+                  <p:pic>
+                    <p:nvPicPr>
+                      <p:cNvPr id="0" name="Object 2"/>
+                      <p:cNvPicPr>
+                        <a:picLocks noChangeAspect="1" noChangeArrowheads="1"/>
+                      </p:cNvPicPr>
+                      <p:nvPr/>
+                    </p:nvPicPr>
+                    <p:blipFill>
+                      <a:blip r:embed="rId5"/>
+                      <a:srcRect/>
+                      <a:stretch>
+                        <a:fillRect/>
+                      </a:stretch>
+                    </p:blipFill>
+                    <p:spPr bwMode="auto">
+                      <a:xfrm>
+                        <a:off x="2079271" y="-125128"/>
+                        <a:ext cx="5924037" cy="6983128"/>
+                      </a:xfrm>
+                      <a:prstGeom prst="rect">
+                        <a:avLst/>
+                      </a:prstGeom>
+                      <a:noFill/>
+                    </p:spPr>
+                  </p:pic>
+                </p:oleObj>
+              </mc:Fallback>
+            </mc:AlternateContent>
+          </a:graphicData>
+        </a:graphic>
+      </p:graphicFrame>
+    </p:spTree>
+    <p:extLst>
+      <p:ext uri="{BB962C8B-B14F-4D97-AF65-F5344CB8AC3E}">
+        <p14:creationId xmlns:p14="http://schemas.microsoft.com/office/powerpoint/2010/main" val="1394046198"/>
+      </p:ext>
+    </p:extLst>
+  </p:cSld>
+  <p:clrMapOvr>
+    <a:masterClrMapping/>
+  </p:clrMapOvr>
+</p:sld>
+</file>
+
+<file path=ppt/slides/slide3.xml><?xml version="1.0" encoding="utf-8"?>
+<p:sld xmlns:a="http://schemas.openxmlformats.org/drawingml/2006/main" xmlns:r="http://schemas.openxmlformats.org/officeDocument/2006/relationships" xmlns:p="http://schemas.openxmlformats.org/presentationml/2006/main">
+  <p:cSld>
+    <p:spTree>
+      <p:nvGrpSpPr>
+        <p:cNvPr id="1" name=""/>
+        <p:cNvGrpSpPr/>
+        <p:nvPr/>
+      </p:nvGrpSpPr>
+      <p:grpSpPr>
+        <a:xfrm>
+          <a:off x="0" y="0"/>
+          <a:ext cx="0" cy="0"/>
+          <a:chOff x="0" y="0"/>
+          <a:chExt cx="0" cy="0"/>
+        </a:xfrm>
+      </p:grpSpPr>
+      <p:sp>
+        <p:nvSpPr>
+          <p:cNvPr id="4" name="Fußzeilenplatzhalter 3"/>
+          <p:cNvSpPr>
+            <a:spLocks noGrp="1"/>
+          </p:cNvSpPr>
+          <p:nvPr>
+            <p:ph type="ftr" sz="quarter" idx="11"/>
+          </p:nvPr>
+        </p:nvSpPr>
+        <p:spPr/>
+        <p:txBody>
+          <a:bodyPr/>
+          <a:lstStyle/>
+          <a:p>
+            <a:r>
+              <a:rPr lang="en-US" smtClean="0"/>
+              <a:t>| Dominik Meixner | Dominique Cheray |</a:t>
+            </a:r>
+            <a:endParaRPr lang="en-US" dirty="0"/>
+          </a:p>
+        </p:txBody>
+      </p:sp>
+      <p:pic>
+        <p:nvPicPr>
           <p:cNvPr id="1027" name="Picture 3"/>
           <p:cNvPicPr>
             <a:picLocks noChangeAspect="1" noChangeArrowheads="1"/>
@@ -6269,8 +6449,8 @@
         </p:blipFill>
         <p:spPr bwMode="auto">
           <a:xfrm>
-            <a:off x="2563738" y="85458"/>
-            <a:ext cx="4777099" cy="6028524"/>
+            <a:off x="2563739" y="85458"/>
+            <a:ext cx="4308116" cy="6222604"/>
           </a:xfrm>
           <a:prstGeom prst="rect">
             <a:avLst/>
@@ -6300,10 +6480,84 @@
           </a:extLst>
         </p:spPr>
       </p:pic>
+      <p:pic>
+        <p:nvPicPr>
+          <p:cNvPr id="5" name="Grafik 4" descr="Logo der Johanniter"/>
+          <p:cNvPicPr/>
+          <p:nvPr/>
+        </p:nvPicPr>
+        <p:blipFill>
+          <a:blip r:embed="rId3">
+            <a:extLst>
+              <a:ext uri="{28A0092B-C50C-407E-A947-70E740481C1C}">
+                <a14:useLocalDpi xmlns:a14="http://schemas.microsoft.com/office/drawing/2010/main" val="0"/>
+              </a:ext>
+            </a:extLst>
+          </a:blip>
+          <a:srcRect/>
+          <a:stretch>
+            <a:fillRect/>
+          </a:stretch>
+        </p:blipFill>
+        <p:spPr bwMode="auto">
+          <a:xfrm>
+            <a:off x="7042871" y="5447232"/>
+            <a:ext cx="2022475" cy="666750"/>
+          </a:xfrm>
+          <a:prstGeom prst="rect">
+            <a:avLst/>
+          </a:prstGeom>
+          <a:noFill/>
+          <a:ln>
+            <a:noFill/>
+          </a:ln>
+        </p:spPr>
+      </p:pic>
+      <p:pic>
+        <p:nvPicPr>
+          <p:cNvPr id="2050" name="Picture 2" descr="Logo JJ farbig"/>
+          <p:cNvPicPr>
+            <a:picLocks noChangeAspect="1" noChangeArrowheads="1"/>
+          </p:cNvPicPr>
+          <p:nvPr/>
+        </p:nvPicPr>
+        <p:blipFill>
+          <a:blip r:embed="rId4">
+            <a:extLst>
+              <a:ext uri="{28A0092B-C50C-407E-A947-70E740481C1C}">
+                <a14:useLocalDpi xmlns:a14="http://schemas.microsoft.com/office/drawing/2010/main" val="0"/>
+              </a:ext>
+            </a:extLst>
+          </a:blip>
+          <a:srcRect/>
+          <a:stretch>
+            <a:fillRect/>
+          </a:stretch>
+        </p:blipFill>
+        <p:spPr bwMode="auto">
+          <a:xfrm>
+            <a:off x="5120640" y="840948"/>
+            <a:ext cx="999707" cy="562084"/>
+          </a:xfrm>
+          <a:prstGeom prst="rect">
+            <a:avLst/>
+          </a:prstGeom>
+          <a:noFill/>
+          <a:extLst>
+            <a:ext uri="{909E8E84-426E-40DD-AFC4-6F175D3DCCD1}">
+              <a14:hiddenFill xmlns:a14="http://schemas.microsoft.com/office/drawing/2010/main">
+                <a:solidFill>
+                  <a:srgbClr val="FFFFFF"/>
+                </a:solidFill>
+              </a14:hiddenFill>
+            </a:ext>
+          </a:extLst>
+        </p:spPr>
+      </p:pic>
     </p:spTree>
     <p:extLst>
       <p:ext uri="{BB962C8B-B14F-4D97-AF65-F5344CB8AC3E}">
-        <p14:creationId xmlns:p14="http://schemas.microsoft.com/office/powerpoint/2010/main" val="1394046198"/>
+        <p14:creationId xmlns:p14="http://schemas.microsoft.com/office/powerpoint/2010/main" val="3583646437"/>
       </p:ext>
     </p:extLst>
   </p:cSld>
@@ -6313,7 +6567,7 @@
 </p:sld>
 </file>
 
-<file path=ppt/slides/slide3.xml><?xml version="1.0" encoding="utf-8"?>
+<file path=ppt/slides/slide4.xml><?xml version="1.0" encoding="utf-8"?>
 <p:sld xmlns:a="http://schemas.openxmlformats.org/drawingml/2006/main" xmlns:r="http://schemas.openxmlformats.org/officeDocument/2006/relationships" xmlns:p="http://schemas.openxmlformats.org/presentationml/2006/main">
   <p:cSld>
     <p:spTree>
@@ -6623,7 +6877,7 @@
   <a:extraClrSchemeLst/>
   <a:extLst>
     <a:ext uri="{05A4C25C-085E-4340-85A3-A5531E510DB2}">
-      <thm15:themeFamily xmlns="" xmlns:thm15="http://schemas.microsoft.com/office/thememl/2012/main" name="Facet" id="{C0C680CD-088A-49FC-A102-D699147F32B2}" vid="{CFBC31BA-B70F-4F30-BCAA-4F3011E16C4D}"/>
+      <thm15:themeFamily xmlns:thm15="http://schemas.microsoft.com/office/thememl/2012/main" name="Facet" id="{C0C680CD-088A-49FC-A102-D699147F32B2}" vid="{CFBC31BA-B70F-4F30-BCAA-4F3011E16C4D}"/>
     </a:ext>
   </a:extLst>
 </a:theme>
@@ -6884,7 +7138,7 @@
   <a:extraClrSchemeLst/>
   <a:extLst>
     <a:ext uri="{05A4C25C-085E-4340-85A3-A5531E510DB2}">
-      <thm15:themeFamily xmlns="" xmlns:thm15="http://schemas.microsoft.com/office/thememl/2012/main" name="Office Theme" id="{62F939B6-93AF-4DB8-9C6B-D6C7DFDC589F}" vid="{4A3C46E8-61CC-4603-A589-7422A47A8E4A}"/>
+      <thm15:themeFamily xmlns:thm15="http://schemas.microsoft.com/office/thememl/2012/main" name="Office Theme" id="{62F939B6-93AF-4DB8-9C6B-D6C7DFDC589F}" vid="{4A3C46E8-61CC-4603-A589-7422A47A8E4A}"/>
     </a:ext>
   </a:extLst>
 </a:theme>
